--- a/PPT/MachineLearning05-PIP.pptx
+++ b/PPT/MachineLearning05-PIP.pptx
@@ -5,15 +5,14 @@
     <p:sldMasterId id="2147483653" r:id="rId1"/>
   </p:sldMasterIdLst>
   <p:notesMasterIdLst>
-    <p:notesMasterId r:id="rId5"/>
+    <p:notesMasterId r:id="rId4"/>
   </p:notesMasterIdLst>
   <p:handoutMasterIdLst>
-    <p:handoutMasterId r:id="rId6"/>
+    <p:handoutMasterId r:id="rId5"/>
   </p:handoutMasterIdLst>
   <p:sldIdLst>
     <p:sldId id="264" r:id="rId2"/>
     <p:sldId id="265" r:id="rId3"/>
-    <p:sldId id="266" r:id="rId4"/>
   </p:sldIdLst>
   <p:sldSz cx="9144000" cy="6858000" type="screen4x3"/>
   <p:notesSz cx="6648450" cy="9782175"/>
@@ -3691,11 +3690,7 @@
             <a:pPr eaLnBrk="1" hangingPunct="1"/>
             <a:r>
               <a:rPr lang="fr-FR" altLang="fr-FR" smtClean="0"/>
-              <a:t>Chapitre </a:t>
-            </a:r>
-            <a:r>
-              <a:rPr lang="fr-FR" altLang="fr-FR" smtClean="0"/>
-              <a:t>5</a:t>
+              <a:t>Chapitre 5</a:t>
             </a:r>
             <a:endParaRPr lang="fr-FR" altLang="fr-FR" dirty="0" smtClean="0"/>
           </a:p>
@@ -3970,139 +3965,6 @@
       </p:par>
     </p:tnLst>
   </p:timing>
-</p:sld>
-</file>
-
-<file path=ppt/slides/slide3.xml><?xml version="1.0" encoding="utf-8"?>
-<p:sld xmlns:a="http://schemas.openxmlformats.org/drawingml/2006/main" xmlns:r="http://schemas.openxmlformats.org/officeDocument/2006/relationships" xmlns:p="http://schemas.openxmlformats.org/presentationml/2006/main">
-  <p:cSld>
-    <p:spTree>
-      <p:nvGrpSpPr>
-        <p:cNvPr id="1" name=""/>
-        <p:cNvGrpSpPr/>
-        <p:nvPr/>
-      </p:nvGrpSpPr>
-      <p:grpSpPr>
-        <a:xfrm>
-          <a:off x="0" y="0"/>
-          <a:ext cx="0" cy="0"/>
-          <a:chOff x="0" y="0"/>
-          <a:chExt cx="0" cy="0"/>
-        </a:xfrm>
-      </p:grpSpPr>
-      <p:sp>
-        <p:nvSpPr>
-          <p:cNvPr id="2" name="Titre 1"/>
-          <p:cNvSpPr>
-            <a:spLocks noGrp="1"/>
-          </p:cNvSpPr>
-          <p:nvPr>
-            <p:ph type="title"/>
-          </p:nvPr>
-        </p:nvSpPr>
-        <p:spPr/>
-        <p:txBody>
-          <a:bodyPr/>
-          <a:lstStyle/>
-          <a:p>
-            <a:r>
-              <a:rPr lang="fr-FR" dirty="0" smtClean="0"/>
-              <a:t>Visual Studio</a:t>
-            </a:r>
-            <a:endParaRPr lang="fr-FR" dirty="0"/>
-          </a:p>
-        </p:txBody>
-      </p:sp>
-      <p:sp>
-        <p:nvSpPr>
-          <p:cNvPr id="3" name="Espace réservé du contenu 2"/>
-          <p:cNvSpPr>
-            <a:spLocks noGrp="1"/>
-          </p:cNvSpPr>
-          <p:nvPr>
-            <p:ph idx="1"/>
-          </p:nvPr>
-        </p:nvSpPr>
-        <p:spPr/>
-        <p:txBody>
-          <a:bodyPr/>
-          <a:lstStyle/>
-          <a:p>
-            <a:r>
-              <a:rPr lang="fr-FR" dirty="0" smtClean="0"/>
-              <a:t>Visual Studio Code</a:t>
-            </a:r>
-          </a:p>
-          <a:p>
-            <a:pPr lvl="1"/>
-            <a:r>
-              <a:rPr lang="fr-FR" dirty="0" smtClean="0"/>
-              <a:t>Allez dans Affichage -&gt; Terminal intégré</a:t>
-            </a:r>
-          </a:p>
-          <a:p>
-            <a:r>
-              <a:rPr lang="fr-FR" smtClean="0"/>
-              <a:t>Visual Studio CE</a:t>
-            </a:r>
-            <a:endParaRPr lang="fr-FR" dirty="0" smtClean="0"/>
-          </a:p>
-          <a:p>
-            <a:pPr lvl="1"/>
-            <a:r>
-              <a:rPr lang="en-US" dirty="0"/>
-              <a:t> </a:t>
-            </a:r>
-            <a:r>
-              <a:rPr lang="en-US" dirty="0" err="1" smtClean="0"/>
-              <a:t>Outils</a:t>
-            </a:r>
-            <a:r>
-              <a:rPr lang="en-US" dirty="0" smtClean="0"/>
-              <a:t>-</a:t>
-            </a:r>
-            <a:r>
-              <a:rPr lang="en-US" dirty="0"/>
-              <a:t>&gt; Python Tools -&gt; Python Environments.</a:t>
-            </a:r>
-            <a:endParaRPr lang="fr-FR" dirty="0"/>
-          </a:p>
-        </p:txBody>
-      </p:sp>
-      <p:pic>
-        <p:nvPicPr>
-          <p:cNvPr id="4" name="Image 3"/>
-          <p:cNvPicPr>
-            <a:picLocks noChangeAspect="1"/>
-          </p:cNvPicPr>
-          <p:nvPr/>
-        </p:nvPicPr>
-        <p:blipFill>
-          <a:blip r:embed="rId2"/>
-          <a:stretch>
-            <a:fillRect/>
-          </a:stretch>
-        </p:blipFill>
-        <p:spPr>
-          <a:xfrm>
-            <a:off x="2411760" y="3284984"/>
-            <a:ext cx="4464496" cy="3319753"/>
-          </a:xfrm>
-          <a:prstGeom prst="rect">
-            <a:avLst/>
-          </a:prstGeom>
-        </p:spPr>
-      </p:pic>
-    </p:spTree>
-    <p:extLst>
-      <p:ext uri="{BB962C8B-B14F-4D97-AF65-F5344CB8AC3E}">
-        <p14:creationId xmlns:p14="http://schemas.microsoft.com/office/powerpoint/2010/main" val="4178682746"/>
-      </p:ext>
-    </p:extLst>
-  </p:cSld>
-  <p:clrMapOvr>
-    <a:masterClrMapping/>
-  </p:clrMapOvr>
 </p:sld>
 </file>
 
